--- a/Docs/LocalGoodsWorksheet.pptx
+++ b/Docs/LocalGoodsWorksheet.pptx
@@ -10,6 +10,7 @@
     <p:sldId id="258" r:id="rId4"/>
     <p:sldId id="260" r:id="rId5"/>
     <p:sldId id="261" r:id="rId6"/>
+    <p:sldId id="262" r:id="rId7"/>
   </p:sldIdLst>
   <p:sldSz cx="12192000" cy="6858000"/>
   <p:notesSz cx="6858000" cy="9144000"/>
@@ -6428,6 +6429,36 @@
     <p:extLst>
       <p:ext uri="{BB962C8B-B14F-4D97-AF65-F5344CB8AC3E}">
         <p14:creationId xmlns:p14="http://schemas.microsoft.com/office/powerpoint/2010/main" val="3154007791"/>
+      </p:ext>
+    </p:extLst>
+  </p:cSld>
+  <p:clrMapOvr>
+    <a:masterClrMapping/>
+  </p:clrMapOvr>
+</p:sld>
+</file>
+
+<file path=ppt/slides/slide6.xml><?xml version="1.0" encoding="utf-8"?>
+<p:sld xmlns:a="http://schemas.openxmlformats.org/drawingml/2006/main" xmlns:r="http://schemas.openxmlformats.org/officeDocument/2006/relationships" xmlns:p="http://schemas.openxmlformats.org/presentationml/2006/main">
+  <p:cSld>
+    <p:spTree>
+      <p:nvGrpSpPr>
+        <p:cNvPr id="1" name=""/>
+        <p:cNvGrpSpPr/>
+        <p:nvPr/>
+      </p:nvGrpSpPr>
+      <p:grpSpPr>
+        <a:xfrm>
+          <a:off x="0" y="0"/>
+          <a:ext cx="0" cy="0"/>
+          <a:chOff x="0" y="0"/>
+          <a:chExt cx="0" cy="0"/>
+        </a:xfrm>
+      </p:grpSpPr>
+    </p:spTree>
+    <p:extLst>
+      <p:ext uri="{BB962C8B-B14F-4D97-AF65-F5344CB8AC3E}">
+        <p14:creationId xmlns:p14="http://schemas.microsoft.com/office/powerpoint/2010/main" val="2572544623"/>
       </p:ext>
     </p:extLst>
   </p:cSld>

--- a/Docs/LocalGoodsWorksheet.pptx
+++ b/Docs/LocalGoodsWorksheet.pptx
@@ -6455,6 +6455,566 @@
           <a:chExt cx="0" cy="0"/>
         </a:xfrm>
       </p:grpSpPr>
+      <p:grpSp>
+        <p:nvGrpSpPr>
+          <p:cNvPr id="14" name="Group 13">
+            <a:extLst>
+              <a:ext uri="{FF2B5EF4-FFF2-40B4-BE49-F238E27FC236}">
+                <a16:creationId xmlns:a16="http://schemas.microsoft.com/office/drawing/2014/main" id="{A7E0DFFE-BBC9-4F63-B9B6-D7273C3F9509}"/>
+              </a:ext>
+            </a:extLst>
+          </p:cNvPr>
+          <p:cNvGrpSpPr/>
+          <p:nvPr/>
+        </p:nvGrpSpPr>
+        <p:grpSpPr>
+          <a:xfrm>
+            <a:off x="3160778" y="1996900"/>
+            <a:ext cx="5870445" cy="2864201"/>
+            <a:chOff x="4478003" y="1053330"/>
+            <a:chExt cx="5870445" cy="2864201"/>
+          </a:xfrm>
+        </p:grpSpPr>
+        <p:sp>
+          <p:nvSpPr>
+            <p:cNvPr id="2" name="Rectangle 1">
+              <a:extLst>
+                <a:ext uri="{FF2B5EF4-FFF2-40B4-BE49-F238E27FC236}">
+                  <a16:creationId xmlns:a16="http://schemas.microsoft.com/office/drawing/2014/main" id="{6948FFDB-7DD6-48D0-BE0D-D0AA390A33DA}"/>
+                </a:ext>
+              </a:extLst>
+            </p:cNvPr>
+            <p:cNvSpPr/>
+            <p:nvPr/>
+          </p:nvSpPr>
+          <p:spPr>
+            <a:xfrm>
+              <a:off x="5245509" y="2204884"/>
+              <a:ext cx="3401959" cy="934064"/>
+            </a:xfrm>
+            <a:prstGeom prst="rect">
+              <a:avLst/>
+            </a:prstGeom>
+          </p:spPr>
+          <p:style>
+            <a:lnRef idx="2">
+              <a:schemeClr val="dk1"/>
+            </a:lnRef>
+            <a:fillRef idx="1">
+              <a:schemeClr val="lt1"/>
+            </a:fillRef>
+            <a:effectRef idx="0">
+              <a:schemeClr val="dk1"/>
+            </a:effectRef>
+            <a:fontRef idx="minor">
+              <a:schemeClr val="dk1"/>
+            </a:fontRef>
+          </p:style>
+          <p:txBody>
+            <a:bodyPr rtlCol="0" anchor="ctr"/>
+            <a:lstStyle/>
+            <a:p>
+              <a:pPr algn="ctr"/>
+              <a:r>
+                <a:rPr lang="en-US" sz="1200" dirty="0"/>
+                <a:t>Local Co-Op</a:t>
+              </a:r>
+            </a:p>
+          </p:txBody>
+        </p:sp>
+        <p:sp>
+          <p:nvSpPr>
+            <p:cNvPr id="3" name="Rectangle 2">
+              <a:extLst>
+                <a:ext uri="{FF2B5EF4-FFF2-40B4-BE49-F238E27FC236}">
+                  <a16:creationId xmlns:a16="http://schemas.microsoft.com/office/drawing/2014/main" id="{2FFE205E-864F-4984-89D3-12E1DEF3E807}"/>
+                </a:ext>
+              </a:extLst>
+            </p:cNvPr>
+            <p:cNvSpPr/>
+            <p:nvPr/>
+          </p:nvSpPr>
+          <p:spPr>
+            <a:xfrm>
+              <a:off x="5245510" y="3138948"/>
+              <a:ext cx="3401958" cy="383458"/>
+            </a:xfrm>
+            <a:prstGeom prst="rect">
+              <a:avLst/>
+            </a:prstGeom>
+            <a:solidFill>
+              <a:srgbClr val="FFCC99"/>
+            </a:solidFill>
+          </p:spPr>
+          <p:style>
+            <a:lnRef idx="2">
+              <a:schemeClr val="dk1"/>
+            </a:lnRef>
+            <a:fillRef idx="1">
+              <a:schemeClr val="lt1"/>
+            </a:fillRef>
+            <a:effectRef idx="0">
+              <a:schemeClr val="dk1"/>
+            </a:effectRef>
+            <a:fontRef idx="minor">
+              <a:schemeClr val="dk1"/>
+            </a:fontRef>
+          </p:style>
+          <p:txBody>
+            <a:bodyPr rtlCol="0" anchor="ctr"/>
+            <a:lstStyle/>
+            <a:p>
+              <a:pPr algn="ctr"/>
+              <a:r>
+                <a:rPr lang="en-US" sz="1200" dirty="0"/>
+                <a:t>Physical Inventory</a:t>
+              </a:r>
+            </a:p>
+          </p:txBody>
+        </p:sp>
+        <p:sp>
+          <p:nvSpPr>
+            <p:cNvPr id="4" name="Rectangle 3">
+              <a:extLst>
+                <a:ext uri="{FF2B5EF4-FFF2-40B4-BE49-F238E27FC236}">
+                  <a16:creationId xmlns:a16="http://schemas.microsoft.com/office/drawing/2014/main" id="{80CF9B9F-70A0-40F0-BEEA-BF59CF6686A0}"/>
+                </a:ext>
+              </a:extLst>
+            </p:cNvPr>
+            <p:cNvSpPr/>
+            <p:nvPr/>
+          </p:nvSpPr>
+          <p:spPr>
+            <a:xfrm>
+              <a:off x="5245510" y="1821426"/>
+              <a:ext cx="1700980" cy="383458"/>
+            </a:xfrm>
+            <a:prstGeom prst="rect">
+              <a:avLst/>
+            </a:prstGeom>
+            <a:solidFill>
+              <a:srgbClr val="FFCC99"/>
+            </a:solidFill>
+          </p:spPr>
+          <p:style>
+            <a:lnRef idx="2">
+              <a:schemeClr val="dk1"/>
+            </a:lnRef>
+            <a:fillRef idx="1">
+              <a:schemeClr val="lt1"/>
+            </a:fillRef>
+            <a:effectRef idx="0">
+              <a:schemeClr val="dk1"/>
+            </a:effectRef>
+            <a:fontRef idx="minor">
+              <a:schemeClr val="dk1"/>
+            </a:fontRef>
+          </p:style>
+          <p:txBody>
+            <a:bodyPr rtlCol="0" anchor="ctr"/>
+            <a:lstStyle/>
+            <a:p>
+              <a:pPr algn="ctr"/>
+              <a:r>
+                <a:rPr lang="en-US" sz="1200" dirty="0"/>
+                <a:t>Virtual Inventory</a:t>
+              </a:r>
+            </a:p>
+          </p:txBody>
+        </p:sp>
+        <p:sp>
+          <p:nvSpPr>
+            <p:cNvPr id="5" name="Rectangle 4">
+              <a:extLst>
+                <a:ext uri="{FF2B5EF4-FFF2-40B4-BE49-F238E27FC236}">
+                  <a16:creationId xmlns:a16="http://schemas.microsoft.com/office/drawing/2014/main" id="{88C1F586-56FF-4DC0-8B20-C379CE21DFBE}"/>
+                </a:ext>
+              </a:extLst>
+            </p:cNvPr>
+            <p:cNvSpPr/>
+            <p:nvPr/>
+          </p:nvSpPr>
+          <p:spPr>
+            <a:xfrm>
+              <a:off x="5245510" y="3534073"/>
+              <a:ext cx="3401958" cy="383458"/>
+            </a:xfrm>
+            <a:prstGeom prst="rect">
+              <a:avLst/>
+            </a:prstGeom>
+            <a:solidFill>
+              <a:srgbClr val="FFCCCC"/>
+            </a:solidFill>
+          </p:spPr>
+          <p:style>
+            <a:lnRef idx="2">
+              <a:schemeClr val="dk1"/>
+            </a:lnRef>
+            <a:fillRef idx="1">
+              <a:schemeClr val="lt1"/>
+            </a:fillRef>
+            <a:effectRef idx="0">
+              <a:schemeClr val="dk1"/>
+            </a:effectRef>
+            <a:fontRef idx="minor">
+              <a:schemeClr val="dk1"/>
+            </a:fontRef>
+          </p:style>
+          <p:txBody>
+            <a:bodyPr rtlCol="0" anchor="ctr"/>
+            <a:lstStyle/>
+            <a:p>
+              <a:pPr algn="ctr"/>
+              <a:r>
+                <a:rPr lang="en-US" sz="1200" dirty="0"/>
+                <a:t>Physical Shopping</a:t>
+              </a:r>
+            </a:p>
+          </p:txBody>
+        </p:sp>
+        <p:sp>
+          <p:nvSpPr>
+            <p:cNvPr id="6" name="Rectangle 5">
+              <a:extLst>
+                <a:ext uri="{FF2B5EF4-FFF2-40B4-BE49-F238E27FC236}">
+                  <a16:creationId xmlns:a16="http://schemas.microsoft.com/office/drawing/2014/main" id="{DAF8A261-AF2A-4127-A27B-BEE9F42349A1}"/>
+                </a:ext>
+              </a:extLst>
+            </p:cNvPr>
+            <p:cNvSpPr/>
+            <p:nvPr/>
+          </p:nvSpPr>
+          <p:spPr>
+            <a:xfrm rot="5400000">
+              <a:off x="3819242" y="2479892"/>
+              <a:ext cx="1700980" cy="383458"/>
+            </a:xfrm>
+            <a:prstGeom prst="rect">
+              <a:avLst/>
+            </a:prstGeom>
+            <a:solidFill>
+              <a:srgbClr val="FFCCCC"/>
+            </a:solidFill>
+          </p:spPr>
+          <p:style>
+            <a:lnRef idx="2">
+              <a:schemeClr val="dk1"/>
+            </a:lnRef>
+            <a:fillRef idx="1">
+              <a:schemeClr val="lt1"/>
+            </a:fillRef>
+            <a:effectRef idx="0">
+              <a:schemeClr val="dk1"/>
+            </a:effectRef>
+            <a:fontRef idx="minor">
+              <a:schemeClr val="dk1"/>
+            </a:fontRef>
+          </p:style>
+          <p:txBody>
+            <a:bodyPr rtlCol="0" anchor="ctr"/>
+            <a:lstStyle/>
+            <a:p>
+              <a:pPr algn="ctr"/>
+              <a:r>
+                <a:rPr lang="en-US" sz="1200" dirty="0"/>
+                <a:t>Online Shopping</a:t>
+              </a:r>
+            </a:p>
+          </p:txBody>
+        </p:sp>
+        <p:sp>
+          <p:nvSpPr>
+            <p:cNvPr id="7" name="Rectangle 6">
+              <a:extLst>
+                <a:ext uri="{FF2B5EF4-FFF2-40B4-BE49-F238E27FC236}">
+                  <a16:creationId xmlns:a16="http://schemas.microsoft.com/office/drawing/2014/main" id="{9C64E2AD-36AC-4A17-9C55-E891F5C9D3F7}"/>
+                </a:ext>
+              </a:extLst>
+            </p:cNvPr>
+            <p:cNvSpPr/>
+            <p:nvPr/>
+          </p:nvSpPr>
+          <p:spPr>
+            <a:xfrm rot="5400000">
+              <a:off x="4202995" y="2479597"/>
+              <a:ext cx="1700980" cy="384048"/>
+            </a:xfrm>
+            <a:prstGeom prst="rect">
+              <a:avLst/>
+            </a:prstGeom>
+            <a:solidFill>
+              <a:srgbClr val="CCECFF"/>
+            </a:solidFill>
+          </p:spPr>
+          <p:style>
+            <a:lnRef idx="2">
+              <a:schemeClr val="dk1"/>
+            </a:lnRef>
+            <a:fillRef idx="1">
+              <a:schemeClr val="lt1"/>
+            </a:fillRef>
+            <a:effectRef idx="0">
+              <a:schemeClr val="dk1"/>
+            </a:effectRef>
+            <a:fontRef idx="minor">
+              <a:schemeClr val="dk1"/>
+            </a:fontRef>
+          </p:style>
+          <p:txBody>
+            <a:bodyPr rtlCol="0" anchor="ctr"/>
+            <a:lstStyle/>
+            <a:p>
+              <a:pPr algn="ctr"/>
+              <a:r>
+                <a:rPr lang="en-US" sz="1200" dirty="0"/>
+                <a:t>Cloud</a:t>
+              </a:r>
+            </a:p>
+          </p:txBody>
+        </p:sp>
+        <p:sp>
+          <p:nvSpPr>
+            <p:cNvPr id="8" name="Rectangle 7">
+              <a:extLst>
+                <a:ext uri="{FF2B5EF4-FFF2-40B4-BE49-F238E27FC236}">
+                  <a16:creationId xmlns:a16="http://schemas.microsoft.com/office/drawing/2014/main" id="{CCCD771A-1CC9-4FF8-8A9F-702F25054115}"/>
+                </a:ext>
+              </a:extLst>
+            </p:cNvPr>
+            <p:cNvSpPr/>
+            <p:nvPr/>
+          </p:nvSpPr>
+          <p:spPr>
+            <a:xfrm>
+              <a:off x="5245509" y="1437083"/>
+              <a:ext cx="3401960" cy="384048"/>
+            </a:xfrm>
+            <a:prstGeom prst="rect">
+              <a:avLst/>
+            </a:prstGeom>
+            <a:solidFill>
+              <a:srgbClr val="CCECFF"/>
+            </a:solidFill>
+          </p:spPr>
+          <p:style>
+            <a:lnRef idx="2">
+              <a:schemeClr val="dk1"/>
+            </a:lnRef>
+            <a:fillRef idx="1">
+              <a:schemeClr val="lt1"/>
+            </a:fillRef>
+            <a:effectRef idx="0">
+              <a:schemeClr val="dk1"/>
+            </a:effectRef>
+            <a:fontRef idx="minor">
+              <a:schemeClr val="dk1"/>
+            </a:fontRef>
+          </p:style>
+          <p:txBody>
+            <a:bodyPr rtlCol="0" anchor="ctr"/>
+            <a:lstStyle/>
+            <a:p>
+              <a:pPr algn="ctr"/>
+              <a:r>
+                <a:rPr lang="en-US" sz="1200" dirty="0"/>
+                <a:t>Cloud</a:t>
+              </a:r>
+            </a:p>
+          </p:txBody>
+        </p:sp>
+        <p:sp>
+          <p:nvSpPr>
+            <p:cNvPr id="9" name="Rectangle 8">
+              <a:extLst>
+                <a:ext uri="{FF2B5EF4-FFF2-40B4-BE49-F238E27FC236}">
+                  <a16:creationId xmlns:a16="http://schemas.microsoft.com/office/drawing/2014/main" id="{24319A5A-27C7-40CB-987A-51EB1CF75991}"/>
+                </a:ext>
+              </a:extLst>
+            </p:cNvPr>
+            <p:cNvSpPr/>
+            <p:nvPr/>
+          </p:nvSpPr>
+          <p:spPr>
+            <a:xfrm>
+              <a:off x="5245508" y="1053330"/>
+              <a:ext cx="3401959" cy="384048"/>
+            </a:xfrm>
+            <a:prstGeom prst="rect">
+              <a:avLst/>
+            </a:prstGeom>
+            <a:solidFill>
+              <a:srgbClr val="CCFFCC"/>
+            </a:solidFill>
+          </p:spPr>
+          <p:style>
+            <a:lnRef idx="2">
+              <a:schemeClr val="dk1"/>
+            </a:lnRef>
+            <a:fillRef idx="1">
+              <a:schemeClr val="lt1"/>
+            </a:fillRef>
+            <a:effectRef idx="0">
+              <a:schemeClr val="dk1"/>
+            </a:effectRef>
+            <a:fontRef idx="minor">
+              <a:schemeClr val="dk1"/>
+            </a:fontRef>
+          </p:style>
+          <p:txBody>
+            <a:bodyPr rtlCol="0" anchor="ctr"/>
+            <a:lstStyle/>
+            <a:p>
+              <a:pPr algn="ctr"/>
+              <a:r>
+                <a:rPr lang="en-US" sz="1200" dirty="0"/>
+                <a:t>Local Growers / Makers / Distributors</a:t>
+              </a:r>
+            </a:p>
+          </p:txBody>
+        </p:sp>
+        <p:sp>
+          <p:nvSpPr>
+            <p:cNvPr id="10" name="Rectangle 9">
+              <a:extLst>
+                <a:ext uri="{FF2B5EF4-FFF2-40B4-BE49-F238E27FC236}">
+                  <a16:creationId xmlns:a16="http://schemas.microsoft.com/office/drawing/2014/main" id="{E81549D5-2424-49FB-BB4C-168ACA348343}"/>
+                </a:ext>
+              </a:extLst>
+            </p:cNvPr>
+            <p:cNvSpPr/>
+            <p:nvPr/>
+          </p:nvSpPr>
+          <p:spPr>
+            <a:xfrm>
+              <a:off x="6946489" y="1821426"/>
+              <a:ext cx="1700980" cy="383458"/>
+            </a:xfrm>
+            <a:prstGeom prst="rect">
+              <a:avLst/>
+            </a:prstGeom>
+            <a:solidFill>
+              <a:srgbClr val="FFCC99"/>
+            </a:solidFill>
+          </p:spPr>
+          <p:style>
+            <a:lnRef idx="2">
+              <a:schemeClr val="dk1"/>
+            </a:lnRef>
+            <a:fillRef idx="1">
+              <a:schemeClr val="lt1"/>
+            </a:fillRef>
+            <a:effectRef idx="0">
+              <a:schemeClr val="dk1"/>
+            </a:effectRef>
+            <a:fontRef idx="minor">
+              <a:schemeClr val="dk1"/>
+            </a:fontRef>
+          </p:style>
+          <p:txBody>
+            <a:bodyPr rtlCol="0" anchor="ctr"/>
+            <a:lstStyle/>
+            <a:p>
+              <a:pPr algn="ctr"/>
+              <a:r>
+                <a:rPr lang="en-US" sz="1200" dirty="0"/>
+                <a:t>Physical Order</a:t>
+              </a:r>
+            </a:p>
+          </p:txBody>
+        </p:sp>
+        <p:sp>
+          <p:nvSpPr>
+            <p:cNvPr id="11" name="Rectangle 10">
+              <a:extLst>
+                <a:ext uri="{FF2B5EF4-FFF2-40B4-BE49-F238E27FC236}">
+                  <a16:creationId xmlns:a16="http://schemas.microsoft.com/office/drawing/2014/main" id="{3663642E-3383-472A-96A9-2D56CED18B26}"/>
+                </a:ext>
+              </a:extLst>
+            </p:cNvPr>
+            <p:cNvSpPr/>
+            <p:nvPr/>
+          </p:nvSpPr>
+          <p:spPr>
+            <a:xfrm>
+              <a:off x="8647468" y="3138653"/>
+              <a:ext cx="1700980" cy="383458"/>
+            </a:xfrm>
+            <a:prstGeom prst="rect">
+              <a:avLst/>
+            </a:prstGeom>
+            <a:solidFill>
+              <a:srgbClr val="FFCCCC"/>
+            </a:solidFill>
+          </p:spPr>
+          <p:style>
+            <a:lnRef idx="2">
+              <a:schemeClr val="dk1"/>
+            </a:lnRef>
+            <a:fillRef idx="1">
+              <a:schemeClr val="lt1"/>
+            </a:fillRef>
+            <a:effectRef idx="0">
+              <a:schemeClr val="dk1"/>
+            </a:effectRef>
+            <a:fontRef idx="minor">
+              <a:schemeClr val="dk1"/>
+            </a:fontRef>
+          </p:style>
+          <p:txBody>
+            <a:bodyPr rtlCol="0" anchor="ctr"/>
+            <a:lstStyle/>
+            <a:p>
+              <a:pPr algn="ctr"/>
+              <a:r>
+                <a:rPr lang="en-US" sz="1200" dirty="0"/>
+                <a:t>Physical Delivery</a:t>
+              </a:r>
+            </a:p>
+          </p:txBody>
+        </p:sp>
+        <p:cxnSp>
+          <p:nvCxnSpPr>
+            <p:cNvPr id="13" name="Connector: Elbow 12">
+              <a:extLst>
+                <a:ext uri="{FF2B5EF4-FFF2-40B4-BE49-F238E27FC236}">
+                  <a16:creationId xmlns:a16="http://schemas.microsoft.com/office/drawing/2014/main" id="{9B2FC320-702B-48ED-B83B-58E6A97C6306}"/>
+                </a:ext>
+              </a:extLst>
+            </p:cNvPr>
+            <p:cNvCxnSpPr>
+              <a:stCxn id="9" idx="3"/>
+              <a:endCxn id="11" idx="0"/>
+            </p:cNvCxnSpPr>
+            <p:nvPr/>
+          </p:nvCxnSpPr>
+          <p:spPr>
+            <a:xfrm>
+              <a:off x="8647467" y="1245354"/>
+              <a:ext cx="850491" cy="1893299"/>
+            </a:xfrm>
+            <a:prstGeom prst="bentConnector2">
+              <a:avLst/>
+            </a:prstGeom>
+            <a:ln>
+              <a:tailEnd type="triangle"/>
+            </a:ln>
+          </p:spPr>
+          <p:style>
+            <a:lnRef idx="1">
+              <a:schemeClr val="accent1"/>
+            </a:lnRef>
+            <a:fillRef idx="0">
+              <a:schemeClr val="accent1"/>
+            </a:fillRef>
+            <a:effectRef idx="0">
+              <a:schemeClr val="accent1"/>
+            </a:effectRef>
+            <a:fontRef idx="minor">
+              <a:schemeClr val="tx1"/>
+            </a:fontRef>
+          </p:style>
+        </p:cxnSp>
+      </p:grpSp>
     </p:spTree>
     <p:extLst>
       <p:ext uri="{BB962C8B-B14F-4D97-AF65-F5344CB8AC3E}">
